--- a/Справочник по картам таро.pptx
+++ b/Справочник по картам таро.pptx
@@ -10,7 +10,11 @@
     <p:sldId id="262" r:id="rId4"/>
     <p:sldId id="263" r:id="rId5"/>
     <p:sldId id="264" r:id="rId6"/>
-    <p:sldId id="261" r:id="rId7"/>
+    <p:sldId id="265" r:id="rId7"/>
+    <p:sldId id="266" r:id="rId8"/>
+    <p:sldId id="267" r:id="rId9"/>
+    <p:sldId id="261" r:id="rId10"/>
+    <p:sldId id="268" r:id="rId11"/>
   </p:sldIdLst>
   <p:sldSz cx="12192000" cy="6858000"/>
   <p:notesSz cx="6858000" cy="9144000"/>
@@ -1339,7 +1343,7 @@
           <a:p>
             <a:fld id="{B7F1D788-948B-4865-B6A3-9EFB9A025884}" type="datetimeFigureOut">
               <a:rPr lang="ru-RU" smtClean="0"/>
-              <a:t>03.11.2022</a:t>
+              <a:t>06.11.2022</a:t>
             </a:fld>
             <a:endParaRPr lang="ru-RU"/>
           </a:p>
@@ -1582,7 +1586,7 @@
           <a:p>
             <a:fld id="{B7F1D788-948B-4865-B6A3-9EFB9A025884}" type="datetimeFigureOut">
               <a:rPr lang="ru-RU" smtClean="0"/>
-              <a:t>03.11.2022</a:t>
+              <a:t>06.11.2022</a:t>
             </a:fld>
             <a:endParaRPr lang="ru-RU"/>
           </a:p>
@@ -1762,7 +1766,7 @@
           <a:p>
             <a:fld id="{B7F1D788-948B-4865-B6A3-9EFB9A025884}" type="datetimeFigureOut">
               <a:rPr lang="ru-RU" smtClean="0"/>
-              <a:t>03.11.2022</a:t>
+              <a:t>06.11.2022</a:t>
             </a:fld>
             <a:endParaRPr lang="ru-RU"/>
           </a:p>
@@ -1932,7 +1936,7 @@
           <a:p>
             <a:fld id="{B7F1D788-948B-4865-B6A3-9EFB9A025884}" type="datetimeFigureOut">
               <a:rPr lang="ru-RU" smtClean="0"/>
-              <a:t>03.11.2022</a:t>
+              <a:t>06.11.2022</a:t>
             </a:fld>
             <a:endParaRPr lang="ru-RU"/>
           </a:p>
@@ -2211,7 +2215,7 @@
           <a:p>
             <a:fld id="{B7F1D788-948B-4865-B6A3-9EFB9A025884}" type="datetimeFigureOut">
               <a:rPr lang="ru-RU" smtClean="0"/>
-              <a:t>03.11.2022</a:t>
+              <a:t>06.11.2022</a:t>
             </a:fld>
             <a:endParaRPr lang="ru-RU"/>
           </a:p>
@@ -3412,7 +3416,7 @@
           <a:p>
             <a:fld id="{B7F1D788-948B-4865-B6A3-9EFB9A025884}" type="datetimeFigureOut">
               <a:rPr lang="ru-RU" smtClean="0"/>
-              <a:t>03.11.2022</a:t>
+              <a:t>06.11.2022</a:t>
             </a:fld>
             <a:endParaRPr lang="ru-RU"/>
           </a:p>
@@ -3808,7 +3812,7 @@
           <a:p>
             <a:fld id="{B7F1D788-948B-4865-B6A3-9EFB9A025884}" type="datetimeFigureOut">
               <a:rPr lang="ru-RU" smtClean="0"/>
-              <a:t>03.11.2022</a:t>
+              <a:t>06.11.2022</a:t>
             </a:fld>
             <a:endParaRPr lang="ru-RU"/>
           </a:p>
@@ -3931,7 +3935,7 @@
           <a:p>
             <a:fld id="{B7F1D788-948B-4865-B6A3-9EFB9A025884}" type="datetimeFigureOut">
               <a:rPr lang="ru-RU" smtClean="0"/>
-              <a:t>03.11.2022</a:t>
+              <a:t>06.11.2022</a:t>
             </a:fld>
             <a:endParaRPr lang="ru-RU"/>
           </a:p>
@@ -4026,7 +4030,7 @@
           <a:p>
             <a:fld id="{B7F1D788-948B-4865-B6A3-9EFB9A025884}" type="datetimeFigureOut">
               <a:rPr lang="ru-RU" smtClean="0"/>
-              <a:t>03.11.2022</a:t>
+              <a:t>06.11.2022</a:t>
             </a:fld>
             <a:endParaRPr lang="ru-RU"/>
           </a:p>
@@ -4792,7 +4796,7 @@
           <a:p>
             <a:fld id="{B7F1D788-948B-4865-B6A3-9EFB9A025884}" type="datetimeFigureOut">
               <a:rPr lang="ru-RU" smtClean="0"/>
-              <a:t>03.11.2022</a:t>
+              <a:t>06.11.2022</a:t>
             </a:fld>
             <a:endParaRPr lang="ru-RU"/>
           </a:p>
@@ -5635,7 +5639,7 @@
           <a:p>
             <a:fld id="{B7F1D788-948B-4865-B6A3-9EFB9A025884}" type="datetimeFigureOut">
               <a:rPr lang="ru-RU" smtClean="0"/>
-              <a:t>03.11.2022</a:t>
+              <a:t>06.11.2022</a:t>
             </a:fld>
             <a:endParaRPr lang="ru-RU"/>
           </a:p>
@@ -5862,7 +5866,7 @@
           <a:p>
             <a:fld id="{B7F1D788-948B-4865-B6A3-9EFB9A025884}" type="datetimeFigureOut">
               <a:rPr lang="ru-RU" smtClean="0"/>
-              <a:t>03.11.2022</a:t>
+              <a:t>06.11.2022</a:t>
             </a:fld>
             <a:endParaRPr lang="ru-RU"/>
           </a:p>
@@ -6937,6 +6941,68 @@
 </p:sld>
 </file>
 
+<file path=ppt/slides/slide10.xml><?xml version="1.0" encoding="utf-8"?>
+<p:sld xmlns:a="http://schemas.openxmlformats.org/drawingml/2006/main" xmlns:r="http://schemas.openxmlformats.org/officeDocument/2006/relationships" xmlns:p="http://schemas.openxmlformats.org/presentationml/2006/main">
+  <p:cSld>
+    <p:spTree>
+      <p:nvGrpSpPr>
+        <p:cNvPr id="1" name=""/>
+        <p:cNvGrpSpPr/>
+        <p:nvPr/>
+      </p:nvGrpSpPr>
+      <p:grpSpPr>
+        <a:xfrm>
+          <a:off x="0" y="0"/>
+          <a:ext cx="0" cy="0"/>
+          <a:chOff x="0" y="0"/>
+          <a:chExt cx="0" cy="0"/>
+        </a:xfrm>
+      </p:grpSpPr>
+      <p:sp>
+        <p:nvSpPr>
+          <p:cNvPr id="2" name="Заголовок 1"/>
+          <p:cNvSpPr>
+            <a:spLocks noGrp="1"/>
+          </p:cNvSpPr>
+          <p:nvPr>
+            <p:ph type="title"/>
+          </p:nvPr>
+        </p:nvSpPr>
+        <p:spPr>
+          <a:xfrm>
+            <a:off x="3242930" y="2091194"/>
+            <a:ext cx="8187071" cy="2586146"/>
+          </a:xfrm>
+        </p:spPr>
+        <p:txBody>
+          <a:bodyPr/>
+          <a:lstStyle/>
+          <a:p>
+            <a:r>
+              <a:rPr lang="ru-RU" dirty="0" smtClean="0"/>
+              <a:t>Спасибо </a:t>
+            </a:r>
+            <a:r>
+              <a:rPr lang="ru-RU" smtClean="0"/>
+              <a:t>за внимание!</a:t>
+            </a:r>
+            <a:endParaRPr lang="ru-RU" dirty="0"/>
+          </a:p>
+        </p:txBody>
+      </p:sp>
+    </p:spTree>
+    <p:extLst>
+      <p:ext uri="{BB962C8B-B14F-4D97-AF65-F5344CB8AC3E}">
+        <p14:creationId xmlns:p14="http://schemas.microsoft.com/office/powerpoint/2010/main" val="655190984"/>
+      </p:ext>
+    </p:extLst>
+  </p:cSld>
+  <p:clrMapOvr>
+    <a:masterClrMapping/>
+  </p:clrMapOvr>
+</p:sld>
+</file>
+
 <file path=ppt/slides/slide2.xml><?xml version="1.0" encoding="utf-8"?>
 <p:sld xmlns:a="http://schemas.openxmlformats.org/drawingml/2006/main" xmlns:r="http://schemas.openxmlformats.org/officeDocument/2006/relationships" xmlns:p="http://schemas.openxmlformats.org/presentationml/2006/main">
   <p:cSld>
@@ -7213,9 +7279,9 @@
       </p:sp>
       <p:pic>
         <p:nvPicPr>
-          <p:cNvPr id="5" name="Объект 4"/>
+          <p:cNvPr id="6" name="Объект 5"/>
           <p:cNvPicPr>
-            <a:picLocks noGrp="1"/>
+            <a:picLocks noGrp="1" noChangeAspect="1"/>
           </p:cNvPicPr>
           <p:nvPr>
             <p:ph idx="1"/>
@@ -7229,8 +7295,8 @@
         </p:blipFill>
         <p:spPr>
           <a:xfrm>
-            <a:off x="1536517" y="920750"/>
-            <a:ext cx="4615229" cy="4984750"/>
+            <a:off x="1262353" y="457199"/>
+            <a:ext cx="5130495" cy="6052644"/>
           </a:xfrm>
           <a:prstGeom prst="rect">
             <a:avLst/>
@@ -7491,9 +7557,9 @@
       </p:sp>
       <p:pic>
         <p:nvPicPr>
-          <p:cNvPr id="5" name="Объект 4"/>
+          <p:cNvPr id="6" name="Объект 5"/>
           <p:cNvPicPr>
-            <a:picLocks noGrp="1"/>
+            <a:picLocks noGrp="1" noChangeAspect="1"/>
           </p:cNvPicPr>
           <p:nvPr>
             <p:ph idx="1"/>
@@ -7507,8 +7573,8 @@
         </p:blipFill>
         <p:spPr>
           <a:xfrm>
-            <a:off x="1251284" y="920750"/>
-            <a:ext cx="5185695" cy="4984750"/>
+            <a:off x="602518" y="393589"/>
+            <a:ext cx="6324177" cy="6086724"/>
           </a:xfrm>
           <a:prstGeom prst="rect">
             <a:avLst/>
@@ -7739,9 +7805,9 @@
       </p:sp>
       <p:pic>
         <p:nvPicPr>
-          <p:cNvPr id="5" name="Объект 4"/>
+          <p:cNvPr id="6" name="Объект 5"/>
           <p:cNvPicPr>
-            <a:picLocks noGrp="1"/>
+            <a:picLocks noGrp="1" noChangeAspect="1"/>
           </p:cNvPicPr>
           <p:nvPr>
             <p:ph idx="1"/>
@@ -7755,8 +7821,8 @@
         </p:blipFill>
         <p:spPr>
           <a:xfrm>
-            <a:off x="2415381" y="1212850"/>
-            <a:ext cx="2857500" cy="4400550"/>
+            <a:off x="2410619" y="1212850"/>
+            <a:ext cx="2867025" cy="4400550"/>
           </a:xfrm>
           <a:prstGeom prst="rect">
             <a:avLst/>
@@ -7789,6 +7855,516 @@
 </file>
 
 <file path=ppt/slides/slide6.xml><?xml version="1.0" encoding="utf-8"?>
+<p:sld xmlns:a="http://schemas.openxmlformats.org/drawingml/2006/main" xmlns:r="http://schemas.openxmlformats.org/officeDocument/2006/relationships" xmlns:p="http://schemas.openxmlformats.org/presentationml/2006/main">
+  <p:cSld>
+    <p:spTree>
+      <p:nvGrpSpPr>
+        <p:cNvPr id="1" name=""/>
+        <p:cNvGrpSpPr/>
+        <p:nvPr/>
+      </p:nvGrpSpPr>
+      <p:grpSpPr>
+        <a:xfrm>
+          <a:off x="0" y="0"/>
+          <a:ext cx="0" cy="0"/>
+          <a:chOff x="0" y="0"/>
+          <a:chExt cx="0" cy="0"/>
+        </a:xfrm>
+      </p:grpSpPr>
+      <p:sp>
+        <p:nvSpPr>
+          <p:cNvPr id="2" name="Заголовок 1"/>
+          <p:cNvSpPr>
+            <a:spLocks noGrp="1"/>
+          </p:cNvSpPr>
+          <p:nvPr>
+            <p:ph type="title"/>
+          </p:nvPr>
+        </p:nvSpPr>
+        <p:spPr/>
+        <p:txBody>
+          <a:bodyPr/>
+          <a:lstStyle/>
+          <a:p>
+            <a:r>
+              <a:rPr lang="ru-RU" dirty="0" smtClean="0"/>
+              <a:t>реализация</a:t>
+            </a:r>
+            <a:endParaRPr lang="ru-RU" dirty="0"/>
+          </a:p>
+        </p:txBody>
+      </p:sp>
+      <p:sp>
+        <p:nvSpPr>
+          <p:cNvPr id="4" name="Текст 3"/>
+          <p:cNvSpPr>
+            <a:spLocks noGrp="1"/>
+          </p:cNvSpPr>
+          <p:nvPr>
+            <p:ph type="body" sz="half" idx="2"/>
+          </p:nvPr>
+        </p:nvSpPr>
+        <p:spPr/>
+        <p:txBody>
+          <a:bodyPr/>
+          <a:lstStyle/>
+          <a:p>
+            <a:r>
+              <a:rPr lang="ru-RU" dirty="0">
+                <a:latin typeface="Corbel" panose="020B0503020204020204" pitchFamily="34" charset="0"/>
+              </a:rPr>
+              <a:t>Класс </a:t>
+            </a:r>
+            <a:r>
+              <a:rPr lang="en-US" dirty="0" err="1">
+                <a:latin typeface="Corbel" panose="020B0503020204020204" pitchFamily="34" charset="0"/>
+              </a:rPr>
+              <a:t>DayCardWindow</a:t>
+            </a:r>
+            <a:r>
+              <a:rPr lang="en-US" dirty="0">
+                <a:latin typeface="Corbel" panose="020B0503020204020204" pitchFamily="34" charset="0"/>
+              </a:rPr>
+              <a:t>:</a:t>
+            </a:r>
+            <a:endParaRPr lang="ru-RU" dirty="0">
+              <a:latin typeface="Corbel" panose="020B0503020204020204" pitchFamily="34" charset="0"/>
+            </a:endParaRPr>
+          </a:p>
+          <a:p>
+            <a:pPr marL="285750" lvl="0" indent="-285750">
+              <a:buClr>
+                <a:schemeClr val="bg1"/>
+              </a:buClr>
+              <a:buFont typeface="Arial" panose="020B0604020202020204" pitchFamily="34" charset="0"/>
+              <a:buChar char="•"/>
+            </a:pPr>
+            <a:r>
+              <a:rPr lang="ru-RU" dirty="0">
+                <a:latin typeface="Corbel" panose="020B0503020204020204" pitchFamily="34" charset="0"/>
+              </a:rPr>
+              <a:t>функция </a:t>
+            </a:r>
+            <a:r>
+              <a:rPr lang="en-US" dirty="0">
+                <a:latin typeface="Corbel" panose="020B0503020204020204" pitchFamily="34" charset="0"/>
+              </a:rPr>
+              <a:t>random</a:t>
+            </a:r>
+            <a:r>
+              <a:rPr lang="ru-RU" dirty="0">
+                <a:latin typeface="Corbel" panose="020B0503020204020204" pitchFamily="34" charset="0"/>
+              </a:rPr>
+              <a:t>_</a:t>
+            </a:r>
+            <a:r>
+              <a:rPr lang="en-US" dirty="0">
+                <a:latin typeface="Corbel" panose="020B0503020204020204" pitchFamily="34" charset="0"/>
+              </a:rPr>
+              <a:t>card </a:t>
+            </a:r>
+            <a:r>
+              <a:rPr lang="ru-RU" dirty="0">
+                <a:latin typeface="Corbel" panose="020B0503020204020204" pitchFamily="34" charset="0"/>
+              </a:rPr>
+              <a:t>случайно выбирает карту и выводит ее значение</a:t>
+            </a:r>
+          </a:p>
+          <a:p>
+            <a:pPr marL="285750" lvl="0" indent="-285750">
+              <a:buClr>
+                <a:schemeClr val="bg1"/>
+              </a:buClr>
+              <a:buFont typeface="Arial" panose="020B0604020202020204" pitchFamily="34" charset="0"/>
+              <a:buChar char="•"/>
+            </a:pPr>
+            <a:r>
+              <a:rPr lang="ru-RU" dirty="0">
+                <a:latin typeface="Corbel" panose="020B0503020204020204" pitchFamily="34" charset="0"/>
+              </a:rPr>
+              <a:t>функция </a:t>
+            </a:r>
+            <a:r>
+              <a:rPr lang="en-US" dirty="0">
+                <a:latin typeface="Corbel" panose="020B0503020204020204" pitchFamily="34" charset="0"/>
+              </a:rPr>
+              <a:t>show</a:t>
+            </a:r>
+            <a:r>
+              <a:rPr lang="ru-RU" dirty="0">
+                <a:latin typeface="Corbel" panose="020B0503020204020204" pitchFamily="34" charset="0"/>
+              </a:rPr>
+              <a:t>_</a:t>
+            </a:r>
+            <a:r>
+              <a:rPr lang="en-US" dirty="0">
+                <a:latin typeface="Corbel" panose="020B0503020204020204" pitchFamily="34" charset="0"/>
+              </a:rPr>
+              <a:t>info</a:t>
+            </a:r>
+            <a:r>
+              <a:rPr lang="ru-RU" dirty="0">
+                <a:latin typeface="Corbel" panose="020B0503020204020204" pitchFamily="34" charset="0"/>
+              </a:rPr>
+              <a:t> при нажатии на кнопку «Полное описание карты» открывает окно класса </a:t>
+            </a:r>
+            <a:r>
+              <a:rPr lang="en-US" dirty="0" err="1">
+                <a:latin typeface="Corbel" panose="020B0503020204020204" pitchFamily="34" charset="0"/>
+              </a:rPr>
+              <a:t>MeaningsWindow</a:t>
+            </a:r>
+            <a:r>
+              <a:rPr lang="en-US" dirty="0">
+                <a:latin typeface="Corbel" panose="020B0503020204020204" pitchFamily="34" charset="0"/>
+              </a:rPr>
+              <a:t> </a:t>
+            </a:r>
+            <a:r>
+              <a:rPr lang="ru-RU" dirty="0">
+                <a:latin typeface="Corbel" panose="020B0503020204020204" pitchFamily="34" charset="0"/>
+              </a:rPr>
+              <a:t>с полным описанием карты</a:t>
+            </a:r>
+          </a:p>
+          <a:p>
+            <a:endParaRPr lang="ru-RU" dirty="0">
+              <a:latin typeface="Corbel" panose="020B0503020204020204" pitchFamily="34" charset="0"/>
+            </a:endParaRPr>
+          </a:p>
+        </p:txBody>
+      </p:sp>
+      <p:pic>
+        <p:nvPicPr>
+          <p:cNvPr id="6" name="Объект 5"/>
+          <p:cNvPicPr>
+            <a:picLocks noGrp="1" noChangeAspect="1"/>
+          </p:cNvPicPr>
+          <p:nvPr>
+            <p:ph idx="1"/>
+          </p:nvPr>
+        </p:nvPicPr>
+        <p:blipFill>
+          <a:blip r:embed="rId2"/>
+          <a:stretch>
+            <a:fillRect/>
+          </a:stretch>
+        </p:blipFill>
+        <p:spPr>
+          <a:xfrm>
+            <a:off x="702082" y="1019077"/>
+            <a:ext cx="6334822" cy="5074058"/>
+          </a:xfrm>
+          <a:prstGeom prst="rect">
+            <a:avLst/>
+          </a:prstGeom>
+          <a:ln>
+            <a:solidFill>
+              <a:schemeClr val="tx1"/>
+            </a:solidFill>
+          </a:ln>
+        </p:spPr>
+      </p:pic>
+    </p:spTree>
+    <p:extLst>
+      <p:ext uri="{BB962C8B-B14F-4D97-AF65-F5344CB8AC3E}">
+        <p14:creationId xmlns:p14="http://schemas.microsoft.com/office/powerpoint/2010/main" val="3405284313"/>
+      </p:ext>
+    </p:extLst>
+  </p:cSld>
+  <p:clrMapOvr>
+    <a:masterClrMapping/>
+  </p:clrMapOvr>
+</p:sld>
+</file>
+
+<file path=ppt/slides/slide7.xml><?xml version="1.0" encoding="utf-8"?>
+<p:sld xmlns:a="http://schemas.openxmlformats.org/drawingml/2006/main" xmlns:r="http://schemas.openxmlformats.org/officeDocument/2006/relationships" xmlns:p="http://schemas.openxmlformats.org/presentationml/2006/main">
+  <p:cSld>
+    <p:spTree>
+      <p:nvGrpSpPr>
+        <p:cNvPr id="1" name=""/>
+        <p:cNvGrpSpPr/>
+        <p:nvPr/>
+      </p:nvGrpSpPr>
+      <p:grpSpPr>
+        <a:xfrm>
+          <a:off x="0" y="0"/>
+          <a:ext cx="0" cy="0"/>
+          <a:chOff x="0" y="0"/>
+          <a:chExt cx="0" cy="0"/>
+        </a:xfrm>
+      </p:grpSpPr>
+      <p:sp>
+        <p:nvSpPr>
+          <p:cNvPr id="2" name="Заголовок 1"/>
+          <p:cNvSpPr>
+            <a:spLocks noGrp="1"/>
+          </p:cNvSpPr>
+          <p:nvPr>
+            <p:ph type="title"/>
+          </p:nvPr>
+        </p:nvSpPr>
+        <p:spPr/>
+        <p:txBody>
+          <a:bodyPr/>
+          <a:lstStyle/>
+          <a:p>
+            <a:r>
+              <a:rPr lang="ru-RU" dirty="0" smtClean="0"/>
+              <a:t>реализация</a:t>
+            </a:r>
+            <a:endParaRPr lang="ru-RU" dirty="0"/>
+          </a:p>
+        </p:txBody>
+      </p:sp>
+      <p:sp>
+        <p:nvSpPr>
+          <p:cNvPr id="4" name="Текст 3"/>
+          <p:cNvSpPr>
+            <a:spLocks noGrp="1"/>
+          </p:cNvSpPr>
+          <p:nvPr>
+            <p:ph type="body" sz="half" idx="2"/>
+          </p:nvPr>
+        </p:nvSpPr>
+        <p:spPr/>
+        <p:txBody>
+          <a:bodyPr/>
+          <a:lstStyle/>
+          <a:p>
+            <a:r>
+              <a:rPr lang="ru-RU" dirty="0">
+                <a:latin typeface="Corbel" panose="020B0503020204020204" pitchFamily="34" charset="0"/>
+              </a:rPr>
+              <a:t>Класс </a:t>
+            </a:r>
+            <a:r>
+              <a:rPr lang="en-US" dirty="0" err="1">
+                <a:latin typeface="Corbel" panose="020B0503020204020204" pitchFamily="34" charset="0"/>
+              </a:rPr>
+              <a:t>LayoutsWindow</a:t>
+            </a:r>
+            <a:r>
+              <a:rPr lang="en-US" dirty="0">
+                <a:latin typeface="Corbel" panose="020B0503020204020204" pitchFamily="34" charset="0"/>
+              </a:rPr>
+              <a:t>:</a:t>
+            </a:r>
+            <a:endParaRPr lang="ru-RU" dirty="0">
+              <a:latin typeface="Corbel" panose="020B0503020204020204" pitchFamily="34" charset="0"/>
+            </a:endParaRPr>
+          </a:p>
+          <a:p>
+            <a:pPr marL="285750" lvl="0" indent="-285750">
+              <a:buClr>
+                <a:schemeClr val="bg1"/>
+              </a:buClr>
+              <a:buFont typeface="Arial" panose="020B0604020202020204" pitchFamily="34" charset="0"/>
+              <a:buChar char="•"/>
+            </a:pPr>
+            <a:r>
+              <a:rPr lang="ru-RU" dirty="0">
+                <a:latin typeface="Corbel" panose="020B0503020204020204" pitchFamily="34" charset="0"/>
+              </a:rPr>
+              <a:t>отображает схемы нескольких раскладов и позиции карт в них</a:t>
+            </a:r>
+          </a:p>
+          <a:p>
+            <a:endParaRPr lang="ru-RU" dirty="0">
+              <a:latin typeface="Corbel" panose="020B0503020204020204" pitchFamily="34" charset="0"/>
+            </a:endParaRPr>
+          </a:p>
+        </p:txBody>
+      </p:sp>
+      <p:pic>
+        <p:nvPicPr>
+          <p:cNvPr id="6" name="Объект 5"/>
+          <p:cNvPicPr>
+            <a:picLocks noGrp="1" noChangeAspect="1"/>
+          </p:cNvPicPr>
+          <p:nvPr>
+            <p:ph idx="1"/>
+          </p:nvPr>
+        </p:nvPicPr>
+        <p:blipFill>
+          <a:blip r:embed="rId2"/>
+          <a:stretch>
+            <a:fillRect/>
+          </a:stretch>
+        </p:blipFill>
+        <p:spPr>
+          <a:xfrm>
+            <a:off x="478928" y="862535"/>
+            <a:ext cx="6624585" cy="5042965"/>
+          </a:xfrm>
+          <a:prstGeom prst="rect">
+            <a:avLst/>
+          </a:prstGeom>
+          <a:ln>
+            <a:solidFill>
+              <a:schemeClr val="tx1"/>
+            </a:solidFill>
+          </a:ln>
+        </p:spPr>
+      </p:pic>
+    </p:spTree>
+    <p:extLst>
+      <p:ext uri="{BB962C8B-B14F-4D97-AF65-F5344CB8AC3E}">
+        <p14:creationId xmlns:p14="http://schemas.microsoft.com/office/powerpoint/2010/main" val="4272721625"/>
+      </p:ext>
+    </p:extLst>
+  </p:cSld>
+  <p:clrMapOvr>
+    <a:masterClrMapping/>
+  </p:clrMapOvr>
+</p:sld>
+</file>
+
+<file path=ppt/slides/slide8.xml><?xml version="1.0" encoding="utf-8"?>
+<p:sld xmlns:a="http://schemas.openxmlformats.org/drawingml/2006/main" xmlns:r="http://schemas.openxmlformats.org/officeDocument/2006/relationships" xmlns:p="http://schemas.openxmlformats.org/presentationml/2006/main">
+  <p:cSld>
+    <p:spTree>
+      <p:nvGrpSpPr>
+        <p:cNvPr id="1" name=""/>
+        <p:cNvGrpSpPr/>
+        <p:nvPr/>
+      </p:nvGrpSpPr>
+      <p:grpSpPr>
+        <a:xfrm>
+          <a:off x="0" y="0"/>
+          <a:ext cx="0" cy="0"/>
+          <a:chOff x="0" y="0"/>
+          <a:chExt cx="0" cy="0"/>
+        </a:xfrm>
+      </p:grpSpPr>
+      <p:sp>
+        <p:nvSpPr>
+          <p:cNvPr id="2" name="Заголовок 1"/>
+          <p:cNvSpPr>
+            <a:spLocks noGrp="1"/>
+          </p:cNvSpPr>
+          <p:nvPr>
+            <p:ph type="title"/>
+          </p:nvPr>
+        </p:nvSpPr>
+        <p:spPr/>
+        <p:txBody>
+          <a:bodyPr/>
+          <a:lstStyle/>
+          <a:p>
+            <a:r>
+              <a:rPr lang="ru-RU" dirty="0" smtClean="0"/>
+              <a:t>реализация</a:t>
+            </a:r>
+            <a:endParaRPr lang="ru-RU" dirty="0"/>
+          </a:p>
+        </p:txBody>
+      </p:sp>
+      <p:sp>
+        <p:nvSpPr>
+          <p:cNvPr id="4" name="Текст 3"/>
+          <p:cNvSpPr>
+            <a:spLocks noGrp="1"/>
+          </p:cNvSpPr>
+          <p:nvPr>
+            <p:ph type="body" sz="half" idx="2"/>
+          </p:nvPr>
+        </p:nvSpPr>
+        <p:spPr/>
+        <p:txBody>
+          <a:bodyPr/>
+          <a:lstStyle/>
+          <a:p>
+            <a:r>
+              <a:rPr lang="ru-RU" dirty="0">
+                <a:latin typeface="Corbel" panose="020B0503020204020204" pitchFamily="34" charset="0"/>
+              </a:rPr>
+              <a:t>Класс </a:t>
+            </a:r>
+            <a:r>
+              <a:rPr lang="en-US" dirty="0" err="1">
+                <a:latin typeface="Corbel" panose="020B0503020204020204" pitchFamily="34" charset="0"/>
+              </a:rPr>
+              <a:t>InfoWindow</a:t>
+            </a:r>
+            <a:r>
+              <a:rPr lang="en-US" dirty="0">
+                <a:latin typeface="Corbel" panose="020B0503020204020204" pitchFamily="34" charset="0"/>
+              </a:rPr>
+              <a:t>:</a:t>
+            </a:r>
+            <a:endParaRPr lang="ru-RU" dirty="0">
+              <a:latin typeface="Corbel" panose="020B0503020204020204" pitchFamily="34" charset="0"/>
+            </a:endParaRPr>
+          </a:p>
+          <a:p>
+            <a:pPr marL="285750" lvl="0" indent="-285750">
+              <a:buClr>
+                <a:schemeClr val="bg1"/>
+              </a:buClr>
+              <a:buFont typeface="Arial" panose="020B0604020202020204" pitchFamily="34" charset="0"/>
+              <a:buChar char="•"/>
+            </a:pPr>
+            <a:r>
+              <a:rPr lang="ru-RU" dirty="0">
+                <a:latin typeface="Corbel" panose="020B0503020204020204" pitchFamily="34" charset="0"/>
+              </a:rPr>
+              <a:t>отображает дополнительную информацию о картах Таро (например, история происхождения карт)</a:t>
+            </a:r>
+          </a:p>
+          <a:p>
+            <a:endParaRPr lang="ru-RU" dirty="0">
+              <a:latin typeface="Corbel" panose="020B0503020204020204" pitchFamily="34" charset="0"/>
+            </a:endParaRPr>
+          </a:p>
+        </p:txBody>
+      </p:sp>
+      <p:pic>
+        <p:nvPicPr>
+          <p:cNvPr id="6" name="Объект 5"/>
+          <p:cNvPicPr>
+            <a:picLocks noGrp="1" noChangeAspect="1"/>
+          </p:cNvPicPr>
+          <p:nvPr>
+            <p:ph idx="1"/>
+          </p:nvPr>
+        </p:nvPicPr>
+        <p:blipFill>
+          <a:blip r:embed="rId2"/>
+          <a:stretch>
+            <a:fillRect/>
+          </a:stretch>
+        </p:blipFill>
+        <p:spPr>
+          <a:xfrm>
+            <a:off x="550490" y="975695"/>
+            <a:ext cx="6564655" cy="4993415"/>
+          </a:xfrm>
+          <a:prstGeom prst="rect">
+            <a:avLst/>
+          </a:prstGeom>
+          <a:ln>
+            <a:solidFill>
+              <a:schemeClr val="tx1"/>
+            </a:solidFill>
+          </a:ln>
+        </p:spPr>
+      </p:pic>
+    </p:spTree>
+    <p:extLst>
+      <p:ext uri="{BB962C8B-B14F-4D97-AF65-F5344CB8AC3E}">
+        <p14:creationId xmlns:p14="http://schemas.microsoft.com/office/powerpoint/2010/main" val="1764432020"/>
+      </p:ext>
+    </p:extLst>
+  </p:cSld>
+  <p:clrMapOvr>
+    <a:masterClrMapping/>
+  </p:clrMapOvr>
+</p:sld>
+</file>
+
+<file path=ppt/slides/slide9.xml><?xml version="1.0" encoding="utf-8"?>
 <p:sld xmlns:a="http://schemas.openxmlformats.org/drawingml/2006/main" xmlns:r="http://schemas.openxmlformats.org/officeDocument/2006/relationships" xmlns:p="http://schemas.openxmlformats.org/presentationml/2006/main">
   <p:cSld>
     <p:spTree>

--- a/Справочник по картам таро.pptx
+++ b/Справочник по картам таро.pptx
@@ -1343,7 +1343,7 @@
           <a:p>
             <a:fld id="{B7F1D788-948B-4865-B6A3-9EFB9A025884}" type="datetimeFigureOut">
               <a:rPr lang="ru-RU" smtClean="0"/>
-              <a:t>06.11.2022</a:t>
+              <a:t>08.11.2022</a:t>
             </a:fld>
             <a:endParaRPr lang="ru-RU"/>
           </a:p>
@@ -1586,7 +1586,7 @@
           <a:p>
             <a:fld id="{B7F1D788-948B-4865-B6A3-9EFB9A025884}" type="datetimeFigureOut">
               <a:rPr lang="ru-RU" smtClean="0"/>
-              <a:t>06.11.2022</a:t>
+              <a:t>08.11.2022</a:t>
             </a:fld>
             <a:endParaRPr lang="ru-RU"/>
           </a:p>
@@ -1766,7 +1766,7 @@
           <a:p>
             <a:fld id="{B7F1D788-948B-4865-B6A3-9EFB9A025884}" type="datetimeFigureOut">
               <a:rPr lang="ru-RU" smtClean="0"/>
-              <a:t>06.11.2022</a:t>
+              <a:t>08.11.2022</a:t>
             </a:fld>
             <a:endParaRPr lang="ru-RU"/>
           </a:p>
@@ -1936,7 +1936,7 @@
           <a:p>
             <a:fld id="{B7F1D788-948B-4865-B6A3-9EFB9A025884}" type="datetimeFigureOut">
               <a:rPr lang="ru-RU" smtClean="0"/>
-              <a:t>06.11.2022</a:t>
+              <a:t>08.11.2022</a:t>
             </a:fld>
             <a:endParaRPr lang="ru-RU"/>
           </a:p>
@@ -2215,7 +2215,7 @@
           <a:p>
             <a:fld id="{B7F1D788-948B-4865-B6A3-9EFB9A025884}" type="datetimeFigureOut">
               <a:rPr lang="ru-RU" smtClean="0"/>
-              <a:t>06.11.2022</a:t>
+              <a:t>08.11.2022</a:t>
             </a:fld>
             <a:endParaRPr lang="ru-RU"/>
           </a:p>
@@ -3416,7 +3416,7 @@
           <a:p>
             <a:fld id="{B7F1D788-948B-4865-B6A3-9EFB9A025884}" type="datetimeFigureOut">
               <a:rPr lang="ru-RU" smtClean="0"/>
-              <a:t>06.11.2022</a:t>
+              <a:t>08.11.2022</a:t>
             </a:fld>
             <a:endParaRPr lang="ru-RU"/>
           </a:p>
@@ -3812,7 +3812,7 @@
           <a:p>
             <a:fld id="{B7F1D788-948B-4865-B6A3-9EFB9A025884}" type="datetimeFigureOut">
               <a:rPr lang="ru-RU" smtClean="0"/>
-              <a:t>06.11.2022</a:t>
+              <a:t>08.11.2022</a:t>
             </a:fld>
             <a:endParaRPr lang="ru-RU"/>
           </a:p>
@@ -3935,7 +3935,7 @@
           <a:p>
             <a:fld id="{B7F1D788-948B-4865-B6A3-9EFB9A025884}" type="datetimeFigureOut">
               <a:rPr lang="ru-RU" smtClean="0"/>
-              <a:t>06.11.2022</a:t>
+              <a:t>08.11.2022</a:t>
             </a:fld>
             <a:endParaRPr lang="ru-RU"/>
           </a:p>
@@ -4030,7 +4030,7 @@
           <a:p>
             <a:fld id="{B7F1D788-948B-4865-B6A3-9EFB9A025884}" type="datetimeFigureOut">
               <a:rPr lang="ru-RU" smtClean="0"/>
-              <a:t>06.11.2022</a:t>
+              <a:t>08.11.2022</a:t>
             </a:fld>
             <a:endParaRPr lang="ru-RU"/>
           </a:p>
@@ -4796,7 +4796,7 @@
           <a:p>
             <a:fld id="{B7F1D788-948B-4865-B6A3-9EFB9A025884}" type="datetimeFigureOut">
               <a:rPr lang="ru-RU" smtClean="0"/>
-              <a:t>06.11.2022</a:t>
+              <a:t>08.11.2022</a:t>
             </a:fld>
             <a:endParaRPr lang="ru-RU"/>
           </a:p>
@@ -5639,7 +5639,7 @@
           <a:p>
             <a:fld id="{B7F1D788-948B-4865-B6A3-9EFB9A025884}" type="datetimeFigureOut">
               <a:rPr lang="ru-RU" smtClean="0"/>
-              <a:t>06.11.2022</a:t>
+              <a:t>08.11.2022</a:t>
             </a:fld>
             <a:endParaRPr lang="ru-RU"/>
           </a:p>
@@ -5866,7 +5866,7 @@
           <a:p>
             <a:fld id="{B7F1D788-948B-4865-B6A3-9EFB9A025884}" type="datetimeFigureOut">
               <a:rPr lang="ru-RU" smtClean="0"/>
-              <a:t>06.11.2022</a:t>
+              <a:t>08.11.2022</a:t>
             </a:fld>
             <a:endParaRPr lang="ru-RU"/>
           </a:p>
@@ -7782,18 +7782,62 @@
                 </a:solidFill>
                 <a:latin typeface="Corbel" panose="020B0503020204020204" pitchFamily="34" charset="0"/>
               </a:rPr>
-              <a:t>сохраняет заметки в базу данных</a:t>
-            </a:r>
-          </a:p>
-          <a:p>
-            <a:endParaRPr lang="ru-RU" dirty="0">
-              <a:solidFill>
+              <a:t>сохраняет заметки в базу </a:t>
+            </a:r>
+            <a:r>
+              <a:rPr lang="ru-RU" dirty="0" smtClean="0">
+                <a:solidFill>
+                  <a:schemeClr val="bg1"/>
+                </a:solidFill>
+                <a:latin typeface="Corbel" panose="020B0503020204020204" pitchFamily="34" charset="0"/>
+              </a:rPr>
+              <a:t>данных</a:t>
+            </a:r>
+          </a:p>
+          <a:p>
+            <a:pPr marL="285750" indent="-285750">
+              <a:buClr>
                 <a:schemeClr val="bg1"/>
-              </a:solidFill>
-              <a:latin typeface="Corbel" panose="020B0503020204020204" pitchFamily="34" charset="0"/>
-            </a:endParaRPr>
-          </a:p>
-          <a:p>
+              </a:buClr>
+              <a:buFont typeface="Arial" panose="020B0604020202020204" pitchFamily="34" charset="0"/>
+              <a:buChar char="•"/>
+            </a:pPr>
+            <a:r>
+              <a:rPr lang="ru-RU" dirty="0">
+                <a:latin typeface="Corbel" panose="020B0503020204020204" pitchFamily="34" charset="0"/>
+              </a:rPr>
+              <a:t>функция </a:t>
+            </a:r>
+            <a:r>
+              <a:rPr lang="en-US" dirty="0" err="1">
+                <a:latin typeface="Corbel" panose="020B0503020204020204" pitchFamily="34" charset="0"/>
+              </a:rPr>
+              <a:t>closeEvent</a:t>
+            </a:r>
+            <a:r>
+              <a:rPr lang="en-US" dirty="0">
+                <a:latin typeface="Corbel" panose="020B0503020204020204" pitchFamily="34" charset="0"/>
+              </a:rPr>
+              <a:t> </a:t>
+            </a:r>
+            <a:r>
+              <a:rPr lang="ru-RU" dirty="0">
+                <a:latin typeface="Corbel" panose="020B0503020204020204" pitchFamily="34" charset="0"/>
+              </a:rPr>
+              <a:t>отображает модальное диалоговое окно с подтверждением закрытия </a:t>
+            </a:r>
+            <a:r>
+              <a:rPr lang="ru-RU">
+                <a:latin typeface="Corbel" panose="020B0503020204020204" pitchFamily="34" charset="0"/>
+              </a:rPr>
+              <a:t>окна </a:t>
+            </a:r>
+            <a:r>
+              <a:rPr lang="ru-RU" smtClean="0">
+                <a:latin typeface="Corbel" panose="020B0503020204020204" pitchFamily="34" charset="0"/>
+              </a:rPr>
+              <a:t>заметок</a:t>
+            </a:r>
             <a:endParaRPr lang="ru-RU" dirty="0">
               <a:solidFill>
                 <a:schemeClr val="bg1"/>
